--- a/Poster_CNN.pptx
+++ b/Poster_CNN.pptx
@@ -220,7 +220,7 @@
           <a:p>
             <a:fld id="{C0DFD08D-500C-46E7-9DA6-63A1376AACAA}" type="datetimeFigureOut">
               <a:rPr lang="en-IE" smtClean="0"/>
-              <a:t>06/04/2019</a:t>
+              <a:t>07/04/2019</a:t>
             </a:fld>
             <a:endParaRPr lang="en-IE" dirty="0"/>
           </a:p>
@@ -943,7 +943,7 @@
           <a:p>
             <a:fld id="{F6954020-26DD-4F2E-AC01-FB9107C7BD31}" type="datetimeFigureOut">
               <a:rPr lang="en-IE" smtClean="0"/>
-              <a:t>06/04/2019</a:t>
+              <a:t>07/04/2019</a:t>
             </a:fld>
             <a:endParaRPr lang="en-IE" dirty="0"/>
           </a:p>
@@ -2203,7 +2203,7 @@
               <a:graphicData uri="http://schemas.openxmlformats.org/presentationml/2006/ole">
                 <mc:AlternateContent xmlns:mc="http://schemas.openxmlformats.org/markup-compatibility/2006">
                   <mc:Choice xmlns:v="urn:schemas-microsoft-com:vml" Requires="v">
-                    <p:oleObj spid="_x0000_s1318" name="Image" r:id="rId8" imgW="1828571" imgH="1117460" progId="">
+                    <p:oleObj spid="_x0000_s1362" name="Image" r:id="rId8" imgW="1828571" imgH="1117460" progId="">
                       <p:embed/>
                     </p:oleObj>
                   </mc:Choice>
@@ -2275,7 +2275,7 @@
               <a:graphicData uri="http://schemas.openxmlformats.org/presentationml/2006/ole">
                 <mc:AlternateContent xmlns:mc="http://schemas.openxmlformats.org/markup-compatibility/2006">
                   <mc:Choice xmlns:v="urn:schemas-microsoft-com:vml" Requires="v">
-                    <p:oleObj spid="_x0000_s1319" name="Image" r:id="rId10" imgW="1828571" imgH="1117460" progId="">
+                    <p:oleObj spid="_x0000_s1363" name="Image" r:id="rId10" imgW="1828571" imgH="1117460" progId="">
                       <p:embed/>
                     </p:oleObj>
                   </mc:Choice>
@@ -3324,7 +3324,7 @@
             <a:graphicData uri="http://schemas.openxmlformats.org/presentationml/2006/ole">
               <mc:AlternateContent xmlns:mc="http://schemas.openxmlformats.org/markup-compatibility/2006">
                 <mc:Choice xmlns:v="urn:schemas-microsoft-com:vml" Requires="v">
-                  <p:oleObj spid="_x0000_s1320" name="Image" r:id="rId12" imgW="4571429" imgH="1688889" progId="">
+                  <p:oleObj spid="_x0000_s1364" name="Image" r:id="rId12" imgW="4571429" imgH="1688889" progId="">
                     <p:embed/>
                   </p:oleObj>
                 </mc:Choice>
@@ -3423,7 +3423,7 @@
             <a:graphicData uri="http://schemas.openxmlformats.org/presentationml/2006/ole">
               <mc:AlternateContent xmlns:mc="http://schemas.openxmlformats.org/markup-compatibility/2006">
                 <mc:Choice xmlns:v="urn:schemas-microsoft-com:vml" Requires="v">
-                  <p:oleObj spid="_x0000_s1321" name="Image" r:id="rId15" imgW="1574603" imgH="1053968" progId="">
+                  <p:oleObj spid="_x0000_s1365" name="Image" r:id="rId15" imgW="1574603" imgH="1053968" progId="">
                     <p:embed/>
                   </p:oleObj>
                 </mc:Choice>
@@ -4615,7 +4615,7 @@
         <p:spPr>
           <a:xfrm>
             <a:off x="155557" y="6590045"/>
-            <a:ext cx="6890553" cy="21461387"/>
+            <a:ext cx="6890553" cy="21544359"/>
           </a:xfrm>
           <a:prstGeom prst="rect">
             <a:avLst/>
@@ -4720,7 +4720,7 @@
             </a:r>
             <a:r>
               <a:rPr lang="en-US" sz="2400" dirty="0"/>
-              <a:t> is analogous to that of the connectivity pattern of Neurons in the Human Brain and was inspired by the organization of the Visual Cortex. Individual neurons respond to stimuli only in a restricted region of the visual field known as the Receptive Field. A collection of such fields overlap to cover the entire visual area. One of the most popular uses of this architecture is image classification. For example Facebook uses CNN for automatic tagging algorithms, Amazon — for generating product recommendations and Google — for search through among users’ photos.</a:t>
+              <a:t> is analogous to that of the connectivity pattern of Neurons in the Human Brain and was inspired by the organization of the Visual Cortex. Individual neurons respond to stimuli only in a restricted region of the visual field known as the Receptive Field. A collection of such fields overlap to cover the entire visual area. One of the most popular uses of this architecture is image classification. </a:t>
             </a:r>
           </a:p>
           <a:p>
@@ -4750,31 +4750,40 @@
             </a:r>
             <a:r>
               <a:rPr lang="en-US" sz="2400" dirty="0"/>
-              <a:t>), Max Pooling or Sub Sampling and Classification (Fully Connected Layer).</a:t>
+              <a:t>), Max Pooling or Sub Sampling and Classification (Fully Connected Layer). My project uses </a:t>
+            </a:r>
+            <a:r>
+              <a:rPr lang="en-US" sz="2400" dirty="0" err="1"/>
+              <a:t>MobileNet</a:t>
+            </a:r>
+            <a:r>
+              <a:rPr lang="en-US" sz="2400" dirty="0"/>
+              <a:t> </a:t>
+            </a:r>
+            <a:r>
+              <a:rPr lang="en-US" sz="2400" dirty="0" err="1"/>
+              <a:t>tensorflow</a:t>
+            </a:r>
+            <a:r>
+              <a:rPr lang="en-US" sz="2400" dirty="0"/>
+              <a:t> model for image classification which has 300 Million MACs and 3.47 Million parameters needed to perform inference on a single 224×224 RGB image. The first step is to have a </a:t>
+            </a:r>
+            <a:r>
+              <a:rPr lang="en-US" sz="2400" dirty="0" err="1"/>
+              <a:t>depthwise</a:t>
+            </a:r>
+            <a:r>
+              <a:rPr lang="en-US" sz="2400" dirty="0"/>
+              <a:t> conv of the image we capture through webcam.</a:t>
             </a:r>
           </a:p>
           <a:p>
             <a:pPr algn="just"/>
-            <a:r>
-              <a:rPr lang="en-US" sz="2400" dirty="0"/>
-              <a:t>These operations are the basic building blocks of </a:t>
-            </a:r>
-            <a:r>
-              <a:rPr lang="en-US" sz="2400" i="1" dirty="0"/>
-              <a:t>every</a:t>
-            </a:r>
-            <a:r>
-              <a:rPr lang="en-US" sz="2400" dirty="0"/>
-              <a:t> Convolutional Neural Network, so understanding how these work is an important step to developing a sound understanding of </a:t>
-            </a:r>
-            <a:r>
-              <a:rPr lang="en-US" sz="2400" dirty="0" err="1"/>
-              <a:t>ConvNets</a:t>
-            </a:r>
-            <a:r>
-              <a:rPr lang="en-US" sz="2400" dirty="0"/>
-              <a:t>.</a:t>
-            </a:r>
+            <a:endParaRPr lang="en-US" sz="2400" dirty="0"/>
+          </a:p>
+          <a:p>
+            <a:pPr algn="just"/>
+            <a:endParaRPr lang="en-US" sz="2400" dirty="0"/>
           </a:p>
           <a:p>
             <a:pPr algn="just"/>
@@ -4817,42 +4826,6 @@
           </a:p>
         </p:txBody>
       </p:sp>
-      <p:pic>
-        <p:nvPicPr>
-          <p:cNvPr id="17" name="Picture 16">
-            <a:extLst>
-              <a:ext uri="{FF2B5EF4-FFF2-40B4-BE49-F238E27FC236}">
-                <a16:creationId xmlns:a16="http://schemas.microsoft.com/office/drawing/2014/main" id="{4434ABBE-1E64-41A0-AA50-9C76809441BC}"/>
-              </a:ext>
-            </a:extLst>
-          </p:cNvPr>
-          <p:cNvPicPr>
-            <a:picLocks noChangeAspect="1"/>
-          </p:cNvPicPr>
-          <p:nvPr/>
-        </p:nvPicPr>
-        <p:blipFill>
-          <a:blip r:embed="rId3">
-            <a:extLst>
-              <a:ext uri="{28A0092B-C50C-407E-A947-70E740481C1C}">
-                <a14:useLocalDpi xmlns:a14="http://schemas.microsoft.com/office/drawing/2010/main" val="0"/>
-              </a:ext>
-            </a:extLst>
-          </a:blip>
-          <a:stretch>
-            <a:fillRect/>
-          </a:stretch>
-        </p:blipFill>
-        <p:spPr>
-          <a:xfrm>
-            <a:off x="410180" y="23950291"/>
-            <a:ext cx="6441728" cy="3253347"/>
-          </a:xfrm>
-          <a:prstGeom prst="rect">
-            <a:avLst/>
-          </a:prstGeom>
-        </p:spPr>
-      </p:pic>
       <p:sp>
         <p:nvSpPr>
           <p:cNvPr id="30" name="TextBox 29">
@@ -4949,7 +4922,7 @@
             </a:r>
             <a:r>
               <a:rPr lang="en-US" sz="2400" dirty="0"/>
-              <a:t> is an element wise operation (applied per pixel) and replaces all negative pixel values in the feature map by zero. The purpose of </a:t>
+              <a:t> a nonlinear Activation Function which makes it easy for the model to generalize or adapt with variety of data and to differentiate between the output. is an element wise operation (applied per pixel) and replaces all negative pixel values in the feature map by zero. The purpose of </a:t>
             </a:r>
             <a:r>
               <a:rPr lang="en-US" sz="2400" dirty="0" err="1"/>
@@ -4967,14 +4940,6 @@
               <a:rPr lang="en-US" sz="2400" dirty="0"/>
               <a:t>.</a:t>
             </a:r>
-          </a:p>
-          <a:p>
-            <a:pPr algn="just"/>
-            <a:endParaRPr lang="en-US" sz="2400" dirty="0"/>
-          </a:p>
-          <a:p>
-            <a:pPr algn="just"/>
-            <a:endParaRPr lang="en-US" sz="2400" dirty="0"/>
           </a:p>
           <a:p>
             <a:pPr algn="just"/>
@@ -5104,120 +5069,8 @@
             <a:pPr algn="just"/>
             <a:endParaRPr lang="en-US" sz="2400" dirty="0"/>
           </a:p>
-          <a:p>
-            <a:pPr algn="just"/>
-            <a:endParaRPr lang="en-US" sz="2400" dirty="0"/>
-          </a:p>
         </p:txBody>
       </p:sp>
-      <p:pic>
-        <p:nvPicPr>
-          <p:cNvPr id="32" name="Picture 31">
-            <a:extLst>
-              <a:ext uri="{FF2B5EF4-FFF2-40B4-BE49-F238E27FC236}">
-                <a16:creationId xmlns:a16="http://schemas.microsoft.com/office/drawing/2014/main" id="{15D94A85-3325-4843-ACA3-E50489EF4DDD}"/>
-              </a:ext>
-            </a:extLst>
-          </p:cNvPr>
-          <p:cNvPicPr>
-            <a:picLocks noChangeAspect="1"/>
-          </p:cNvPicPr>
-          <p:nvPr/>
-        </p:nvPicPr>
-        <p:blipFill>
-          <a:blip r:embed="rId4">
-            <a:extLst>
-              <a:ext uri="{28A0092B-C50C-407E-A947-70E740481C1C}">
-                <a14:useLocalDpi xmlns:a14="http://schemas.microsoft.com/office/drawing/2010/main" val="0"/>
-              </a:ext>
-            </a:extLst>
-          </a:blip>
-          <a:stretch>
-            <a:fillRect/>
-          </a:stretch>
-        </p:blipFill>
-        <p:spPr>
-          <a:xfrm>
-            <a:off x="7413146" y="6908217"/>
-            <a:ext cx="6608994" cy="3330963"/>
-          </a:xfrm>
-          <a:prstGeom prst="rect">
-            <a:avLst/>
-          </a:prstGeom>
-        </p:spPr>
-      </p:pic>
-      <p:pic>
-        <p:nvPicPr>
-          <p:cNvPr id="34" name="Picture 33">
-            <a:extLst>
-              <a:ext uri="{FF2B5EF4-FFF2-40B4-BE49-F238E27FC236}">
-                <a16:creationId xmlns:a16="http://schemas.microsoft.com/office/drawing/2014/main" id="{E078E064-EF7C-40A8-A5CB-97367CE4BA7E}"/>
-              </a:ext>
-            </a:extLst>
-          </p:cNvPr>
-          <p:cNvPicPr>
-            <a:picLocks noChangeAspect="1"/>
-          </p:cNvPicPr>
-          <p:nvPr/>
-        </p:nvPicPr>
-        <p:blipFill>
-          <a:blip r:embed="rId5">
-            <a:extLst>
-              <a:ext uri="{28A0092B-C50C-407E-A947-70E740481C1C}">
-                <a14:useLocalDpi xmlns:a14="http://schemas.microsoft.com/office/drawing/2010/main" val="0"/>
-              </a:ext>
-            </a:extLst>
-          </a:blip>
-          <a:stretch>
-            <a:fillRect/>
-          </a:stretch>
-        </p:blipFill>
-        <p:spPr>
-          <a:xfrm>
-            <a:off x="7387314" y="12259234"/>
-            <a:ext cx="6608994" cy="3541129"/>
-          </a:xfrm>
-          <a:prstGeom prst="rect">
-            <a:avLst/>
-          </a:prstGeom>
-        </p:spPr>
-      </p:pic>
-      <p:pic>
-        <p:nvPicPr>
-          <p:cNvPr id="36" name="Picture 35">
-            <a:extLst>
-              <a:ext uri="{FF2B5EF4-FFF2-40B4-BE49-F238E27FC236}">
-                <a16:creationId xmlns:a16="http://schemas.microsoft.com/office/drawing/2014/main" id="{9FB5D778-F772-4079-977C-7404A802B16C}"/>
-              </a:ext>
-            </a:extLst>
-          </p:cNvPr>
-          <p:cNvPicPr>
-            <a:picLocks noChangeAspect="1"/>
-          </p:cNvPicPr>
-          <p:nvPr/>
-        </p:nvPicPr>
-        <p:blipFill>
-          <a:blip r:embed="rId6">
-            <a:extLst>
-              <a:ext uri="{28A0092B-C50C-407E-A947-70E740481C1C}">
-                <a14:useLocalDpi xmlns:a14="http://schemas.microsoft.com/office/drawing/2010/main" val="0"/>
-              </a:ext>
-            </a:extLst>
-          </a:blip>
-          <a:stretch>
-            <a:fillRect/>
-          </a:stretch>
-        </p:blipFill>
-        <p:spPr>
-          <a:xfrm>
-            <a:off x="7387313" y="19321545"/>
-            <a:ext cx="6608995" cy="3486192"/>
-          </a:xfrm>
-          <a:prstGeom prst="rect">
-            <a:avLst/>
-          </a:prstGeom>
-        </p:spPr>
-      </p:pic>
       <p:sp>
         <p:nvSpPr>
           <p:cNvPr id="39" name="TextBox 38">
@@ -5233,7 +5086,7 @@
         <p:spPr>
           <a:xfrm>
             <a:off x="14347115" y="6590044"/>
-            <a:ext cx="6890553" cy="21421249"/>
+            <a:ext cx="6890553" cy="21605915"/>
           </a:xfrm>
           <a:prstGeom prst="rect">
             <a:avLst/>
@@ -5294,22 +5147,114 @@
             <a:endParaRPr lang="en-US" sz="2400" dirty="0"/>
           </a:p>
           <a:p>
-            <a:pPr algn="just"/>
-            <a:endParaRPr lang="en-US" sz="2400" dirty="0"/>
-          </a:p>
-          <a:p>
-            <a:pPr algn="just"/>
-            <a:endParaRPr lang="en-US" sz="2400" dirty="0"/>
-          </a:p>
-          <a:p>
-            <a:pPr algn="just"/>
-            <a:endParaRPr lang="en-US" sz="2400" dirty="0"/>
-          </a:p>
-          <a:p>
             <a:pPr algn="ctr"/>
             <a:r>
               <a:rPr lang="en-US" dirty="0"/>
-              <a:t>Figure 5: Layers of CNN</a:t>
+              <a:t>Figure 5: Architecture </a:t>
+            </a:r>
+            <a:r>
+              <a:rPr lang="en-US" dirty="0" err="1"/>
+              <a:t>Depthwise</a:t>
+            </a:r>
+            <a:r>
+              <a:rPr lang="en-US" dirty="0"/>
+              <a:t> </a:t>
+            </a:r>
+            <a:r>
+              <a:rPr lang="en-US" dirty="0" err="1"/>
+              <a:t>ConvNet</a:t>
+            </a:r>
+            <a:endParaRPr lang="en-US" dirty="0"/>
+          </a:p>
+          <a:p>
+            <a:pPr algn="ctr"/>
+            <a:endParaRPr lang="en-US" dirty="0"/>
+          </a:p>
+          <a:p>
+            <a:pPr algn="ctr"/>
+            <a:endParaRPr lang="en-US" dirty="0"/>
+          </a:p>
+          <a:p>
+            <a:pPr algn="ctr"/>
+            <a:endParaRPr lang="en-US" dirty="0"/>
+          </a:p>
+          <a:p>
+            <a:pPr algn="ctr"/>
+            <a:endParaRPr lang="en-US" dirty="0"/>
+          </a:p>
+          <a:p>
+            <a:pPr algn="ctr"/>
+            <a:endParaRPr lang="en-US" dirty="0"/>
+          </a:p>
+          <a:p>
+            <a:pPr algn="ctr"/>
+            <a:endParaRPr lang="en-US" dirty="0"/>
+          </a:p>
+          <a:p>
+            <a:pPr algn="ctr"/>
+            <a:endParaRPr lang="en-US" dirty="0"/>
+          </a:p>
+          <a:p>
+            <a:pPr algn="ctr"/>
+            <a:endParaRPr lang="en-US" dirty="0"/>
+          </a:p>
+          <a:p>
+            <a:pPr algn="ctr"/>
+            <a:endParaRPr lang="en-US" dirty="0"/>
+          </a:p>
+          <a:p>
+            <a:pPr algn="ctr"/>
+            <a:endParaRPr lang="en-US" dirty="0"/>
+          </a:p>
+          <a:p>
+            <a:pPr algn="ctr"/>
+            <a:endParaRPr lang="en-US" dirty="0"/>
+          </a:p>
+          <a:p>
+            <a:pPr algn="ctr"/>
+            <a:endParaRPr lang="en-US" dirty="0"/>
+          </a:p>
+          <a:p>
+            <a:pPr algn="ctr"/>
+            <a:endParaRPr lang="en-US" dirty="0"/>
+          </a:p>
+          <a:p>
+            <a:pPr algn="ctr"/>
+            <a:endParaRPr lang="en-US" dirty="0"/>
+          </a:p>
+          <a:p>
+            <a:pPr algn="ctr"/>
+            <a:endParaRPr lang="en-US" dirty="0"/>
+          </a:p>
+          <a:p>
+            <a:pPr algn="ctr"/>
+            <a:endParaRPr lang="en-US" dirty="0"/>
+          </a:p>
+          <a:p>
+            <a:pPr algn="ctr"/>
+            <a:endParaRPr lang="en-US" dirty="0"/>
+          </a:p>
+          <a:p>
+            <a:pPr algn="ctr"/>
+            <a:endParaRPr lang="en-US" dirty="0"/>
+          </a:p>
+          <a:p>
+            <a:pPr algn="ctr"/>
+            <a:r>
+              <a:rPr lang="en-US" dirty="0"/>
+              <a:t>    	Figure 6: </a:t>
+            </a:r>
+            <a:r>
+              <a:rPr lang="en-US" dirty="0" err="1"/>
+              <a:t>MobileNet</a:t>
+            </a:r>
+            <a:r>
+              <a:rPr lang="en-US" dirty="0"/>
+              <a:t> Architecture</a:t>
+            </a:r>
+            <a:r>
+              <a:rPr lang="en-US" sz="2400" dirty="0"/>
+              <a:t>		</a:t>
             </a:r>
           </a:p>
           <a:p>
@@ -5320,7 +5265,38 @@
             </a:pPr>
             <a:r>
               <a:rPr lang="en-US" sz="2400" b="1" dirty="0"/>
-              <a:t>RESULTS</a:t>
+              <a:t> CONCLUSION</a:t>
+            </a:r>
+          </a:p>
+          <a:p>
+            <a:pPr algn="just"/>
+            <a:r>
+              <a:rPr lang="en-US" sz="2400" dirty="0"/>
+              <a:t>The model predicts emotions and sight with accuracy given good lighting conditions and background eliminations due to the state-of-the-art architecture of </a:t>
+            </a:r>
+            <a:r>
+              <a:rPr lang="en-US" sz="2400" dirty="0" err="1"/>
+              <a:t>MobileNets</a:t>
+            </a:r>
+            <a:r>
+              <a:rPr lang="en-US" sz="2400" dirty="0"/>
+              <a:t> which uses </a:t>
+            </a:r>
+            <a:r>
+              <a:rPr lang="en-US" sz="2400" dirty="0" err="1"/>
+              <a:t>Depthwise</a:t>
+            </a:r>
+            <a:r>
+              <a:rPr lang="en-US" sz="2400" dirty="0"/>
+              <a:t> Separable Convolution (</a:t>
+            </a:r>
+            <a:r>
+              <a:rPr lang="en-US" sz="2400" dirty="0" err="1"/>
+              <a:t>DWConvolution</a:t>
+            </a:r>
+            <a:r>
+              <a:rPr lang="en-US" sz="2400" dirty="0"/>
+              <a:t>) in place of standard Convolution to reduce the size of networks making it possible to work on low processing power devices. I have tested that this model works really well even with a small number of training data. I measured how the accuracy depends on the number of epochs in order to detect potential overfitting problem. I determined that 10 epochs are enough for a successful training of the model. My next step would be to try this model on more data sets such as fer2013 for emotion detection. I would also like to experiment with the neural network design in order to see how a higher efficiency can be achieved in various problems.</a:t>
             </a:r>
           </a:p>
           <a:p>
@@ -5329,63 +5305,6 @@
                 <a:spcPct val="200000"/>
               </a:lnSpc>
             </a:pPr>
-            <a:endParaRPr lang="en-US" sz="2400" b="1" dirty="0"/>
-          </a:p>
-          <a:p>
-            <a:pPr algn="just"/>
-            <a:endParaRPr lang="en-US" sz="2400" dirty="0"/>
-          </a:p>
-          <a:p>
-            <a:pPr algn="just"/>
-            <a:endParaRPr lang="en-US" sz="2400" dirty="0"/>
-          </a:p>
-          <a:p>
-            <a:pPr algn="just"/>
-            <a:endParaRPr lang="en-US" sz="2400" dirty="0"/>
-          </a:p>
-          <a:p>
-            <a:pPr algn="just"/>
-            <a:endParaRPr lang="en-US" sz="2400" dirty="0"/>
-          </a:p>
-          <a:p>
-            <a:pPr algn="just"/>
-            <a:endParaRPr lang="en-US" sz="2400" dirty="0"/>
-          </a:p>
-          <a:p>
-            <a:pPr algn="just"/>
-            <a:endParaRPr lang="en-US" sz="2400" dirty="0"/>
-          </a:p>
-          <a:p>
-            <a:pPr algn="just"/>
-            <a:r>
-              <a:rPr lang="en-US" sz="2400" dirty="0"/>
-              <a:t>On the first plot it can be seen that the high accuracy is achieved after 10 epoch. In subsequent epochs on the plot the accuracy does not improve (and even decreases in interval 10–25 epochs). This means that after the 10th epoch the model can show the same result, but it will not be better. 			</a:t>
-            </a:r>
-          </a:p>
-          <a:p>
-            <a:pPr algn="ctr">
-              <a:lnSpc>
-                <a:spcPct val="200000"/>
-              </a:lnSpc>
-            </a:pPr>
-            <a:r>
-              <a:rPr lang="en-US" sz="2400" b="1" dirty="0"/>
-              <a:t> CONCLUSION</a:t>
-            </a:r>
-          </a:p>
-          <a:p>
-            <a:pPr algn="just"/>
-            <a:r>
-              <a:rPr lang="en-US" sz="2400" dirty="0"/>
-              <a:t>The models are still not able to detect emotions or sight in low lightening conditions or without background elimination but with suitable working environment and hardware this can be changed. I have tested that this model works really well with a small number of photos. I measured how the accuracy depends on the number of epochs in order to detect potential overfitting problem. I determined that 10 epochs are enough for a successful training of the model. My next step would be to try this model on more data sets. I would also like to experiment with the neural network design in order to see how a higher efficiency can be achieved in various problems.</a:t>
-            </a:r>
-          </a:p>
-          <a:p>
-            <a:pPr algn="ctr">
-              <a:lnSpc>
-                <a:spcPct val="200000"/>
-              </a:lnSpc>
-            </a:pPr>
             <a:r>
               <a:rPr lang="en-US" sz="2400" b="1" dirty="0"/>
               <a:t>REFERENCES</a:t>
@@ -5494,18 +5413,15 @@
               <a:rPr lang="en-US" sz="2400" dirty="0"/>
               <a:t> Machine Learning Library https://www.tensorflow.org/api_docs</a:t>
             </a:r>
-          </a:p>
-          <a:p>
-            <a:endParaRPr lang="en-US" sz="2400" dirty="0"/>
           </a:p>
         </p:txBody>
       </p:sp>
       <p:pic>
         <p:nvPicPr>
-          <p:cNvPr id="41" name="Picture 40">
+          <p:cNvPr id="7" name="Picture 6">
             <a:extLst>
               <a:ext uri="{FF2B5EF4-FFF2-40B4-BE49-F238E27FC236}">
-                <a16:creationId xmlns:a16="http://schemas.microsoft.com/office/drawing/2014/main" id="{2E30072F-4AAD-47E1-B812-EA6FDF3B8E59}"/>
+                <a16:creationId xmlns:a16="http://schemas.microsoft.com/office/drawing/2014/main" id="{8A678258-C89D-43ED-88EF-F786912D27DA}"/>
               </a:ext>
             </a:extLst>
           </p:cNvPr>
@@ -5515,7 +5431,7 @@
           <p:nvPr/>
         </p:nvPicPr>
         <p:blipFill>
-          <a:blip r:embed="rId7">
+          <a:blip r:embed="rId3">
             <a:extLst>
               <a:ext uri="{28A0092B-C50C-407E-A947-70E740481C1C}">
                 <a14:useLocalDpi xmlns:a14="http://schemas.microsoft.com/office/drawing/2010/main" val="0"/>
@@ -5528,8 +5444,8 @@
         </p:blipFill>
         <p:spPr>
           <a:xfrm>
-            <a:off x="14398779" y="7590924"/>
-            <a:ext cx="6829289" cy="2920268"/>
+            <a:off x="14394556" y="7655494"/>
+            <a:ext cx="6795669" cy="1588303"/>
           </a:xfrm>
           <a:prstGeom prst="rect">
             <a:avLst/>
@@ -5538,10 +5454,229 @@
       </p:pic>
       <p:pic>
         <p:nvPicPr>
-          <p:cNvPr id="52" name="Picture 51">
+          <p:cNvPr id="8" name="Picture 7">
             <a:extLst>
               <a:ext uri="{FF2B5EF4-FFF2-40B4-BE49-F238E27FC236}">
-                <a16:creationId xmlns:a16="http://schemas.microsoft.com/office/drawing/2014/main" id="{CF1908D1-A363-46B5-BB86-2E148522108B}"/>
+                <a16:creationId xmlns:a16="http://schemas.microsoft.com/office/drawing/2014/main" id="{7ADD6DBB-D6C1-4695-9A0A-CFB81EE1C2EF}"/>
+              </a:ext>
+            </a:extLst>
+          </p:cNvPr>
+          <p:cNvPicPr>
+            <a:picLocks noChangeAspect="1"/>
+          </p:cNvPicPr>
+          <p:nvPr/>
+        </p:nvPicPr>
+        <p:blipFill>
+          <a:blip r:embed="rId4"/>
+          <a:stretch>
+            <a:fillRect/>
+          </a:stretch>
+        </p:blipFill>
+        <p:spPr>
+          <a:xfrm>
+            <a:off x="15509243" y="10088330"/>
+            <a:ext cx="4566296" cy="4656370"/>
+          </a:xfrm>
+          <a:prstGeom prst="rect">
+            <a:avLst/>
+          </a:prstGeom>
+        </p:spPr>
+      </p:pic>
+      <p:pic>
+        <p:nvPicPr>
+          <p:cNvPr id="9" name="Picture 8">
+            <a:extLst>
+              <a:ext uri="{FF2B5EF4-FFF2-40B4-BE49-F238E27FC236}">
+                <a16:creationId xmlns:a16="http://schemas.microsoft.com/office/drawing/2014/main" id="{1B819D4A-C45D-46E3-BCEC-E6916B705532}"/>
+              </a:ext>
+            </a:extLst>
+          </p:cNvPr>
+          <p:cNvPicPr>
+            <a:picLocks noChangeAspect="1"/>
+          </p:cNvPicPr>
+          <p:nvPr/>
+        </p:nvPicPr>
+        <p:blipFill>
+          <a:blip r:embed="rId5"/>
+          <a:stretch>
+            <a:fillRect/>
+          </a:stretch>
+        </p:blipFill>
+        <p:spPr>
+          <a:xfrm>
+            <a:off x="7557927" y="7328479"/>
+            <a:ext cx="2454850" cy="2487365"/>
+          </a:xfrm>
+          <a:prstGeom prst="rect">
+            <a:avLst/>
+          </a:prstGeom>
+        </p:spPr>
+      </p:pic>
+      <p:pic>
+        <p:nvPicPr>
+          <p:cNvPr id="10" name="Picture 9">
+            <a:extLst>
+              <a:ext uri="{FF2B5EF4-FFF2-40B4-BE49-F238E27FC236}">
+                <a16:creationId xmlns:a16="http://schemas.microsoft.com/office/drawing/2014/main" id="{CB09630F-8E28-40A5-BF37-D15FA16742BD}"/>
+              </a:ext>
+            </a:extLst>
+          </p:cNvPr>
+          <p:cNvPicPr>
+            <a:picLocks noChangeAspect="1"/>
+          </p:cNvPicPr>
+          <p:nvPr/>
+        </p:nvPicPr>
+        <p:blipFill>
+          <a:blip r:embed="rId6"/>
+          <a:stretch>
+            <a:fillRect/>
+          </a:stretch>
+        </p:blipFill>
+        <p:spPr>
+          <a:xfrm>
+            <a:off x="11405390" y="7282693"/>
+            <a:ext cx="2454850" cy="2521649"/>
+          </a:xfrm>
+          <a:prstGeom prst="rect">
+            <a:avLst/>
+          </a:prstGeom>
+        </p:spPr>
+      </p:pic>
+      <p:sp>
+        <p:nvSpPr>
+          <p:cNvPr id="14" name="Arrow: Right 13">
+            <a:extLst>
+              <a:ext uri="{FF2B5EF4-FFF2-40B4-BE49-F238E27FC236}">
+                <a16:creationId xmlns:a16="http://schemas.microsoft.com/office/drawing/2014/main" id="{254AA06C-E5EF-4686-B766-3E7F66FAEE61}"/>
+              </a:ext>
+            </a:extLst>
+          </p:cNvPr>
+          <p:cNvSpPr/>
+          <p:nvPr/>
+        </p:nvSpPr>
+        <p:spPr>
+          <a:xfrm>
+            <a:off x="10260562" y="7926436"/>
+            <a:ext cx="1096183" cy="1025991"/>
+          </a:xfrm>
+          <a:prstGeom prst="rightArrow">
+            <a:avLst/>
+          </a:prstGeom>
+        </p:spPr>
+        <p:style>
+          <a:lnRef idx="2">
+            <a:schemeClr val="dk1">
+              <a:shade val="50000"/>
+            </a:schemeClr>
+          </a:lnRef>
+          <a:fillRef idx="1">
+            <a:schemeClr val="dk1"/>
+          </a:fillRef>
+          <a:effectRef idx="0">
+            <a:schemeClr val="dk1"/>
+          </a:effectRef>
+          <a:fontRef idx="minor">
+            <a:schemeClr val="lt1"/>
+          </a:fontRef>
+        </p:style>
+        <p:txBody>
+          <a:bodyPr rtlCol="0" anchor="ctr"/>
+          <a:lstStyle/>
+          <a:p>
+            <a:pPr algn="ctr"/>
+            <a:r>
+              <a:rPr lang="en-US" dirty="0" err="1"/>
+              <a:t>ReLu</a:t>
+            </a:r>
+            <a:endParaRPr lang="en-US" dirty="0"/>
+          </a:p>
+        </p:txBody>
+      </p:sp>
+      <p:pic>
+        <p:nvPicPr>
+          <p:cNvPr id="15" name="Picture 14">
+            <a:extLst>
+              <a:ext uri="{FF2B5EF4-FFF2-40B4-BE49-F238E27FC236}">
+                <a16:creationId xmlns:a16="http://schemas.microsoft.com/office/drawing/2014/main" id="{AC4AD031-C73F-439C-BF52-7C156E37671E}"/>
+              </a:ext>
+            </a:extLst>
+          </p:cNvPr>
+          <p:cNvPicPr>
+            <a:picLocks noChangeAspect="1"/>
+          </p:cNvPicPr>
+          <p:nvPr/>
+        </p:nvPicPr>
+        <p:blipFill>
+          <a:blip r:embed="rId7"/>
+          <a:stretch>
+            <a:fillRect/>
+          </a:stretch>
+        </p:blipFill>
+        <p:spPr>
+          <a:xfrm>
+            <a:off x="7458136" y="13546982"/>
+            <a:ext cx="3184757" cy="2487365"/>
+          </a:xfrm>
+          <a:prstGeom prst="rect">
+            <a:avLst/>
+          </a:prstGeom>
+        </p:spPr>
+      </p:pic>
+      <p:sp>
+        <p:nvSpPr>
+          <p:cNvPr id="26" name="Arrow: Right 25">
+            <a:extLst>
+              <a:ext uri="{FF2B5EF4-FFF2-40B4-BE49-F238E27FC236}">
+                <a16:creationId xmlns:a16="http://schemas.microsoft.com/office/drawing/2014/main" id="{0EA7D77D-B266-427E-B524-2ADEA29B997A}"/>
+              </a:ext>
+            </a:extLst>
+          </p:cNvPr>
+          <p:cNvSpPr/>
+          <p:nvPr/>
+        </p:nvSpPr>
+        <p:spPr>
+          <a:xfrm>
+            <a:off x="10808653" y="14244177"/>
+            <a:ext cx="1408652" cy="1025991"/>
+          </a:xfrm>
+          <a:prstGeom prst="rightArrow">
+            <a:avLst/>
+          </a:prstGeom>
+        </p:spPr>
+        <p:style>
+          <a:lnRef idx="2">
+            <a:schemeClr val="dk1">
+              <a:shade val="50000"/>
+            </a:schemeClr>
+          </a:lnRef>
+          <a:fillRef idx="1">
+            <a:schemeClr val="dk1"/>
+          </a:fillRef>
+          <a:effectRef idx="0">
+            <a:schemeClr val="dk1"/>
+          </a:effectRef>
+          <a:fontRef idx="minor">
+            <a:schemeClr val="lt1"/>
+          </a:fontRef>
+        </p:style>
+        <p:txBody>
+          <a:bodyPr rtlCol="0" anchor="ctr"/>
+          <a:lstStyle/>
+          <a:p>
+            <a:pPr algn="ctr"/>
+            <a:r>
+              <a:rPr lang="en-US" dirty="0"/>
+              <a:t>Max Pooling</a:t>
+            </a:r>
+          </a:p>
+        </p:txBody>
+      </p:sp>
+      <p:pic>
+        <p:nvPicPr>
+          <p:cNvPr id="16" name="Picture 15">
+            <a:extLst>
+              <a:ext uri="{FF2B5EF4-FFF2-40B4-BE49-F238E27FC236}">
+                <a16:creationId xmlns:a16="http://schemas.microsoft.com/office/drawing/2014/main" id="{A77A30BF-3696-4E6F-B40F-0594E995BDF8}"/>
               </a:ext>
             </a:extLst>
           </p:cNvPr>
@@ -5558,8 +5693,8 @@
         </p:blipFill>
         <p:spPr>
           <a:xfrm>
-            <a:off x="14398780" y="11771683"/>
-            <a:ext cx="3393686" cy="2702936"/>
+            <a:off x="12564840" y="14239875"/>
+            <a:ext cx="1295400" cy="1009650"/>
           </a:xfrm>
           <a:prstGeom prst="rect">
             <a:avLst/>
@@ -5568,10 +5703,10 @@
       </p:pic>
       <p:pic>
         <p:nvPicPr>
-          <p:cNvPr id="53" name="Picture 52">
+          <p:cNvPr id="20" name="Picture 19">
             <a:extLst>
               <a:ext uri="{FF2B5EF4-FFF2-40B4-BE49-F238E27FC236}">
-                <a16:creationId xmlns:a16="http://schemas.microsoft.com/office/drawing/2014/main" id="{92F93AB2-3CF2-4C2A-9ED3-4579C267C4D3}"/>
+                <a16:creationId xmlns:a16="http://schemas.microsoft.com/office/drawing/2014/main" id="{61DA8D79-ECAD-4E47-99DB-B0623069AADF}"/>
               </a:ext>
             </a:extLst>
           </p:cNvPr>
@@ -5581,15 +5716,57 @@
           <p:nvPr/>
         </p:nvPicPr>
         <p:blipFill>
-          <a:blip r:embed="rId9"/>
+          <a:blip r:embed="rId9">
+            <a:extLst>
+              <a:ext uri="{28A0092B-C50C-407E-A947-70E740481C1C}">
+                <a14:useLocalDpi xmlns:a14="http://schemas.microsoft.com/office/drawing/2010/main" val="0"/>
+              </a:ext>
+            </a:extLst>
+          </a:blip>
           <a:stretch>
             <a:fillRect/>
           </a:stretch>
         </p:blipFill>
         <p:spPr>
           <a:xfrm>
-            <a:off x="17766371" y="11649147"/>
-            <a:ext cx="3393687" cy="2763539"/>
+            <a:off x="7277167" y="19765485"/>
+            <a:ext cx="6890553" cy="3542174"/>
+          </a:xfrm>
+          <a:prstGeom prst="rect">
+            <a:avLst/>
+          </a:prstGeom>
+        </p:spPr>
+      </p:pic>
+      <p:pic>
+        <p:nvPicPr>
+          <p:cNvPr id="22" name="Picture 21">
+            <a:extLst>
+              <a:ext uri="{FF2B5EF4-FFF2-40B4-BE49-F238E27FC236}">
+                <a16:creationId xmlns:a16="http://schemas.microsoft.com/office/drawing/2014/main" id="{EFA5489A-1B5F-409E-9924-CD186AEA2182}"/>
+              </a:ext>
+            </a:extLst>
+          </p:cNvPr>
+          <p:cNvPicPr>
+            <a:picLocks noChangeAspect="1"/>
+          </p:cNvPicPr>
+          <p:nvPr/>
+        </p:nvPicPr>
+        <p:blipFill>
+          <a:blip r:embed="rId10">
+            <a:extLst>
+              <a:ext uri="{28A0092B-C50C-407E-A947-70E740481C1C}">
+                <a14:useLocalDpi xmlns:a14="http://schemas.microsoft.com/office/drawing/2010/main" val="0"/>
+              </a:ext>
+            </a:extLst>
+          </a:blip>
+          <a:stretch>
+            <a:fillRect/>
+          </a:stretch>
+        </p:blipFill>
+        <p:spPr>
+          <a:xfrm>
+            <a:off x="217484" y="23584475"/>
+            <a:ext cx="6828626" cy="3706586"/>
           </a:xfrm>
           <a:prstGeom prst="rect">
             <a:avLst/>

--- a/Poster_CNN.pptx
+++ b/Poster_CNN.pptx
@@ -2203,7 +2203,7 @@
               <a:graphicData uri="http://schemas.openxmlformats.org/presentationml/2006/ole">
                 <mc:AlternateContent xmlns:mc="http://schemas.openxmlformats.org/markup-compatibility/2006">
                   <mc:Choice xmlns:v="urn:schemas-microsoft-com:vml" Requires="v">
-                    <p:oleObj spid="_x0000_s1362" name="Image" r:id="rId8" imgW="1828571" imgH="1117460" progId="">
+                    <p:oleObj spid="_x0000_s1370" name="Image" r:id="rId8" imgW="1828571" imgH="1117460" progId="">
                       <p:embed/>
                     </p:oleObj>
                   </mc:Choice>
@@ -2275,7 +2275,7 @@
               <a:graphicData uri="http://schemas.openxmlformats.org/presentationml/2006/ole">
                 <mc:AlternateContent xmlns:mc="http://schemas.openxmlformats.org/markup-compatibility/2006">
                   <mc:Choice xmlns:v="urn:schemas-microsoft-com:vml" Requires="v">
-                    <p:oleObj spid="_x0000_s1363" name="Image" r:id="rId10" imgW="1828571" imgH="1117460" progId="">
+                    <p:oleObj spid="_x0000_s1371" name="Image" r:id="rId10" imgW="1828571" imgH="1117460" progId="">
                       <p:embed/>
                     </p:oleObj>
                   </mc:Choice>
@@ -3324,7 +3324,7 @@
             <a:graphicData uri="http://schemas.openxmlformats.org/presentationml/2006/ole">
               <mc:AlternateContent xmlns:mc="http://schemas.openxmlformats.org/markup-compatibility/2006">
                 <mc:Choice xmlns:v="urn:schemas-microsoft-com:vml" Requires="v">
-                  <p:oleObj spid="_x0000_s1364" name="Image" r:id="rId12" imgW="4571429" imgH="1688889" progId="">
+                  <p:oleObj spid="_x0000_s1372" name="Image" r:id="rId12" imgW="4571429" imgH="1688889" progId="">
                     <p:embed/>
                   </p:oleObj>
                 </mc:Choice>
@@ -3423,7 +3423,7 @@
             <a:graphicData uri="http://schemas.openxmlformats.org/presentationml/2006/ole">
               <mc:AlternateContent xmlns:mc="http://schemas.openxmlformats.org/markup-compatibility/2006">
                 <mc:Choice xmlns:v="urn:schemas-microsoft-com:vml" Requires="v">
-                  <p:oleObj spid="_x0000_s1365" name="Image" r:id="rId15" imgW="1574603" imgH="1053968" progId="">
+                  <p:oleObj spid="_x0000_s1373" name="Image" r:id="rId15" imgW="1574603" imgH="1053968" progId="">
                     <p:embed/>
                   </p:oleObj>
                 </mc:Choice>
@@ -4922,23 +4922,7 @@
             </a:r>
             <a:r>
               <a:rPr lang="en-US" sz="2400" dirty="0"/>
-              <a:t> a nonlinear Activation Function which makes it easy for the model to generalize or adapt with variety of data and to differentiate between the output. is an element wise operation (applied per pixel) and replaces all negative pixel values in the feature map by zero. The purpose of </a:t>
-            </a:r>
-            <a:r>
-              <a:rPr lang="en-US" sz="2400" dirty="0" err="1"/>
-              <a:t>ReLU</a:t>
-            </a:r>
-            <a:r>
-              <a:rPr lang="en-US" sz="2400" dirty="0"/>
-              <a:t> is to introduce non-linearity in our </a:t>
-            </a:r>
-            <a:r>
-              <a:rPr lang="en-US" sz="2400" dirty="0" err="1"/>
-              <a:t>ConvNet</a:t>
-            </a:r>
-            <a:r>
-              <a:rPr lang="en-US" sz="2400" dirty="0"/>
-              <a:t>.</a:t>
+              <a:t> a nonlinear Activation Function which makes it easy for the model to generalize or adapt with variety of data and to differentiate between the output is an element wise operation (applied per pixel) and replaces all negative pixel values in the feature map by zero. </a:t>
             </a:r>
           </a:p>
           <a:p>
@@ -5053,8 +5037,12 @@
           <a:p>
             <a:pPr algn="just"/>
             <a:r>
+              <a:rPr lang="en-US" sz="2400"/>
+              <a:t>The </a:t>
+            </a:r>
+            <a:r>
               <a:rPr lang="en-US" sz="2400" dirty="0"/>
-              <a:t>The Fully Connected layer is a traditional Multi Layer Perceptron that uses a </a:t>
+              <a:t>Fully Connected layer is a traditional Multi Layer Perceptron that uses a </a:t>
             </a:r>
             <a:r>
               <a:rPr lang="en-US" sz="2400" dirty="0" err="1"/>
@@ -5614,7 +5602,7 @@
         </p:blipFill>
         <p:spPr>
           <a:xfrm>
-            <a:off x="7458136" y="13546982"/>
+            <a:off x="7406553" y="13200097"/>
             <a:ext cx="3184757" cy="2487365"/>
           </a:xfrm>
           <a:prstGeom prst="rect">
@@ -5636,7 +5624,7 @@
         </p:nvSpPr>
         <p:spPr>
           <a:xfrm>
-            <a:off x="10808653" y="14244177"/>
+            <a:off x="10823397" y="13984592"/>
             <a:ext cx="1408652" cy="1025991"/>
           </a:xfrm>
           <a:prstGeom prst="rightArrow">
@@ -5693,7 +5681,7 @@
         </p:blipFill>
         <p:spPr>
           <a:xfrm>
-            <a:off x="12564840" y="14239875"/>
+            <a:off x="12540785" y="13984592"/>
             <a:ext cx="1295400" cy="1009650"/>
           </a:xfrm>
           <a:prstGeom prst="rect">
@@ -5729,7 +5717,7 @@
         </p:blipFill>
         <p:spPr>
           <a:xfrm>
-            <a:off x="7277167" y="19765485"/>
+            <a:off x="7388213" y="19404560"/>
             <a:ext cx="6890553" cy="3542174"/>
           </a:xfrm>
           <a:prstGeom prst="rect">

--- a/Poster_CNN.pptx
+++ b/Poster_CNN.pptx
@@ -220,7 +220,7 @@
           <a:p>
             <a:fld id="{C0DFD08D-500C-46E7-9DA6-63A1376AACAA}" type="datetimeFigureOut">
               <a:rPr lang="en-IE" smtClean="0"/>
-              <a:t>07/04/2019</a:t>
+              <a:t>08/04/2019</a:t>
             </a:fld>
             <a:endParaRPr lang="en-IE" dirty="0"/>
           </a:p>
@@ -943,7 +943,7 @@
           <a:p>
             <a:fld id="{F6954020-26DD-4F2E-AC01-FB9107C7BD31}" type="datetimeFigureOut">
               <a:rPr lang="en-IE" smtClean="0"/>
-              <a:t>07/04/2019</a:t>
+              <a:t>08/04/2019</a:t>
             </a:fld>
             <a:endParaRPr lang="en-IE" dirty="0"/>
           </a:p>
@@ -2203,7 +2203,7 @@
               <a:graphicData uri="http://schemas.openxmlformats.org/presentationml/2006/ole">
                 <mc:AlternateContent xmlns:mc="http://schemas.openxmlformats.org/markup-compatibility/2006">
                   <mc:Choice xmlns:v="urn:schemas-microsoft-com:vml" Requires="v">
-                    <p:oleObj spid="_x0000_s1370" name="Image" r:id="rId8" imgW="1828571" imgH="1117460" progId="">
+                    <p:oleObj spid="_x0000_s1386" name="Image" r:id="rId8" imgW="1828571" imgH="1117460" progId="">
                       <p:embed/>
                     </p:oleObj>
                   </mc:Choice>
@@ -2275,7 +2275,7 @@
               <a:graphicData uri="http://schemas.openxmlformats.org/presentationml/2006/ole">
                 <mc:AlternateContent xmlns:mc="http://schemas.openxmlformats.org/markup-compatibility/2006">
                   <mc:Choice xmlns:v="urn:schemas-microsoft-com:vml" Requires="v">
-                    <p:oleObj spid="_x0000_s1371" name="Image" r:id="rId10" imgW="1828571" imgH="1117460" progId="">
+                    <p:oleObj spid="_x0000_s1387" name="Image" r:id="rId10" imgW="1828571" imgH="1117460" progId="">
                       <p:embed/>
                     </p:oleObj>
                   </mc:Choice>
@@ -3324,7 +3324,7 @@
             <a:graphicData uri="http://schemas.openxmlformats.org/presentationml/2006/ole">
               <mc:AlternateContent xmlns:mc="http://schemas.openxmlformats.org/markup-compatibility/2006">
                 <mc:Choice xmlns:v="urn:schemas-microsoft-com:vml" Requires="v">
-                  <p:oleObj spid="_x0000_s1372" name="Image" r:id="rId12" imgW="4571429" imgH="1688889" progId="">
+                  <p:oleObj spid="_x0000_s1388" name="Image" r:id="rId12" imgW="4571429" imgH="1688889" progId="">
                     <p:embed/>
                   </p:oleObj>
                 </mc:Choice>
@@ -3423,7 +3423,7 @@
             <a:graphicData uri="http://schemas.openxmlformats.org/presentationml/2006/ole">
               <mc:AlternateContent xmlns:mc="http://schemas.openxmlformats.org/markup-compatibility/2006">
                 <mc:Choice xmlns:v="urn:schemas-microsoft-com:vml" Requires="v">
-                  <p:oleObj spid="_x0000_s1373" name="Image" r:id="rId15" imgW="1574603" imgH="1053968" progId="">
+                  <p:oleObj spid="_x0000_s1389" name="Image" r:id="rId15" imgW="1574603" imgH="1053968" progId="">
                     <p:embed/>
                   </p:oleObj>
                 </mc:Choice>
@@ -4615,7 +4615,7 @@
         <p:spPr>
           <a:xfrm>
             <a:off x="155557" y="6590045"/>
-            <a:ext cx="6890553" cy="21544359"/>
+            <a:ext cx="6942217" cy="21698248"/>
           </a:xfrm>
           <a:prstGeom prst="rect">
             <a:avLst/>
@@ -4840,8 +4840,8 @@
         </p:nvSpPr>
         <p:spPr>
           <a:xfrm>
-            <a:off x="7243730" y="6590044"/>
-            <a:ext cx="6957429" cy="21452026"/>
+            <a:off x="7243731" y="6590043"/>
+            <a:ext cx="6949440" cy="21671280"/>
           </a:xfrm>
           <a:prstGeom prst="rect">
             <a:avLst/>
@@ -5026,7 +5026,7 @@
           <a:p>
             <a:pPr algn="ctr">
               <a:lnSpc>
-                <a:spcPct val="200000"/>
+                <a:spcPct val="250000"/>
               </a:lnSpc>
             </a:pPr>
             <a:r>
@@ -5037,12 +5037,8 @@
           <a:p>
             <a:pPr algn="just"/>
             <a:r>
-              <a:rPr lang="en-US" sz="2400"/>
-              <a:t>The </a:t>
-            </a:r>
-            <a:r>
               <a:rPr lang="en-US" sz="2400" dirty="0"/>
-              <a:t>Fully Connected layer is a traditional Multi Layer Perceptron that uses a </a:t>
+              <a:t>The Fully Connected layer is a traditional Multi Layer Perceptron that uses a </a:t>
             </a:r>
             <a:r>
               <a:rPr lang="en-US" sz="2400" dirty="0" err="1"/>
@@ -5052,10 +5048,6 @@
               <a:rPr lang="en-US" sz="2400" dirty="0"/>
               <a:t> activation function in the output layer. The term “Fully Connected” implies that every neuron in the previous layer is connected to every neuron on the next layer. The output from the convolutional and pooling layers represent high-level features of the input image. The purpose of the Fully Connected layer is to use these features for classifying the input image into various classes based on the training dataset.</a:t>
             </a:r>
-          </a:p>
-          <a:p>
-            <a:pPr algn="just"/>
-            <a:endParaRPr lang="en-US" sz="2400" dirty="0"/>
           </a:p>
         </p:txBody>
       </p:sp>
@@ -5073,8 +5065,8 @@
         </p:nvSpPr>
         <p:spPr>
           <a:xfrm>
-            <a:off x="14347115" y="6590044"/>
-            <a:ext cx="6890553" cy="21605915"/>
+            <a:off x="14347115" y="6590045"/>
+            <a:ext cx="6890553" cy="21698248"/>
           </a:xfrm>
           <a:prstGeom prst="rect">
             <a:avLst/>
@@ -5224,10 +5216,6 @@
           </a:p>
           <a:p>
             <a:pPr algn="ctr"/>
-            <a:endParaRPr lang="en-US" dirty="0"/>
-          </a:p>
-          <a:p>
-            <a:pPr algn="ctr"/>
             <a:r>
               <a:rPr lang="en-US" dirty="0"/>
               <a:t>    	Figure 6: </a:t>
@@ -5284,7 +5272,7 @@
             </a:r>
             <a:r>
               <a:rPr lang="en-US" sz="2400" dirty="0"/>
-              <a:t>) in place of standard Convolution to reduce the size of networks making it possible to work on low processing power devices. I have tested that this model works really well even with a small number of training data. I measured how the accuracy depends on the number of epochs in order to detect potential overfitting problem. I determined that 10 epochs are enough for a successful training of the model. My next step would be to try this model on more data sets such as fer2013 for emotion detection. I would also like to experiment with the neural network design in order to see how a higher efficiency can be achieved in various problems.</a:t>
+              <a:t>) in place of standard Convolution to reduce the size of networks making it possible to work on low processing power devices. I have tested that this model works really well even with a small number of training data. I measured how the accuracy depends on the number of epochs in order to detect potential overfitting problem. I determined that 10 epochs are enough for a successful training of the model. My next step would be to try this model on more data sets such as fer2013, Japanese Female Facial Expression (JAFFE) database and Labeled Faces in the Wild (LFW) dataset for emotion detection. I want to work more on the visualizing the learned filters in depth, and in the future, we also want to take a semi-supervised approach by using the predictions made for the LFW images, to train the network with more data, more filters, and more depth. </a:t>
             </a:r>
           </a:p>
           <a:p>
@@ -5386,20 +5374,6 @@
             <a:r>
               <a:rPr lang="en-US" sz="2400" dirty="0"/>
               <a:t>. URL http://tflearn.org/</a:t>
-            </a:r>
-          </a:p>
-          <a:p>
-            <a:r>
-              <a:rPr lang="en-US" sz="2400" dirty="0"/>
-              <a:t>[4] </a:t>
-            </a:r>
-            <a:r>
-              <a:rPr lang="en-US" sz="2400" dirty="0" err="1"/>
-              <a:t>Tensorflow</a:t>
-            </a:r>
-            <a:r>
-              <a:rPr lang="en-US" sz="2400" dirty="0"/>
-              <a:t> Machine Learning Library https://www.tensorflow.org/api_docs</a:t>
             </a:r>
           </a:p>
         </p:txBody>
@@ -5462,8 +5436,8 @@
         </p:blipFill>
         <p:spPr>
           <a:xfrm>
-            <a:off x="15509243" y="10088330"/>
-            <a:ext cx="4566296" cy="4656370"/>
+            <a:off x="15701971" y="10036261"/>
+            <a:ext cx="4180837" cy="4263307"/>
           </a:xfrm>
           <a:prstGeom prst="rect">
             <a:avLst/>
@@ -5717,8 +5691,8 @@
         </p:blipFill>
         <p:spPr>
           <a:xfrm>
-            <a:off x="7388213" y="19404560"/>
-            <a:ext cx="6890553" cy="3542174"/>
+            <a:off x="7388214" y="19404560"/>
+            <a:ext cx="6812946" cy="3542174"/>
           </a:xfrm>
           <a:prstGeom prst="rect">
             <a:avLst/>
